--- a/data_matching explenation.pptx
+++ b/data_matching explenation.pptx
@@ -104,6 +104,11 @@
       </a:defRPr>
     </a:lvl9pPr>
   </p:defaultTextStyle>
+  <p:extLst>
+    <p:ext uri="{EFAFB233-063F-42B5-8137-9DF3F51BA10A}">
+      <p15:sldGuideLst xmlns:p15="http://schemas.microsoft.com/office/powerpoint/2012/main"/>
+    </p:ext>
+  </p:extLst>
 </p:presentation>
 </file>
 
@@ -254,7 +259,7 @@
           <a:p>
             <a:fld id="{E3C897DF-D712-408C-8A47-8DC0A7771452}" type="datetimeFigureOut">
               <a:rPr lang="en-US" smtClean="0"/>
-              <a:t>8/5/2025</a:t>
+              <a:t>8/6/2025</a:t>
             </a:fld>
             <a:endParaRPr lang="en-US"/>
           </a:p>
@@ -452,7 +457,7 @@
           <a:p>
             <a:fld id="{E3C897DF-D712-408C-8A47-8DC0A7771452}" type="datetimeFigureOut">
               <a:rPr lang="en-US" smtClean="0"/>
-              <a:t>8/5/2025</a:t>
+              <a:t>8/6/2025</a:t>
             </a:fld>
             <a:endParaRPr lang="en-US"/>
           </a:p>
@@ -660,7 +665,7 @@
           <a:p>
             <a:fld id="{E3C897DF-D712-408C-8A47-8DC0A7771452}" type="datetimeFigureOut">
               <a:rPr lang="en-US" smtClean="0"/>
-              <a:t>8/5/2025</a:t>
+              <a:t>8/6/2025</a:t>
             </a:fld>
             <a:endParaRPr lang="en-US"/>
           </a:p>
@@ -858,7 +863,7 @@
           <a:p>
             <a:fld id="{E3C897DF-D712-408C-8A47-8DC0A7771452}" type="datetimeFigureOut">
               <a:rPr lang="en-US" smtClean="0"/>
-              <a:t>8/5/2025</a:t>
+              <a:t>8/6/2025</a:t>
             </a:fld>
             <a:endParaRPr lang="en-US"/>
           </a:p>
@@ -1133,7 +1138,7 @@
           <a:p>
             <a:fld id="{E3C897DF-D712-408C-8A47-8DC0A7771452}" type="datetimeFigureOut">
               <a:rPr lang="en-US" smtClean="0"/>
-              <a:t>8/5/2025</a:t>
+              <a:t>8/6/2025</a:t>
             </a:fld>
             <a:endParaRPr lang="en-US"/>
           </a:p>
@@ -1398,7 +1403,7 @@
           <a:p>
             <a:fld id="{E3C897DF-D712-408C-8A47-8DC0A7771452}" type="datetimeFigureOut">
               <a:rPr lang="en-US" smtClean="0"/>
-              <a:t>8/5/2025</a:t>
+              <a:t>8/6/2025</a:t>
             </a:fld>
             <a:endParaRPr lang="en-US"/>
           </a:p>
@@ -1810,7 +1815,7 @@
           <a:p>
             <a:fld id="{E3C897DF-D712-408C-8A47-8DC0A7771452}" type="datetimeFigureOut">
               <a:rPr lang="en-US" smtClean="0"/>
-              <a:t>8/5/2025</a:t>
+              <a:t>8/6/2025</a:t>
             </a:fld>
             <a:endParaRPr lang="en-US"/>
           </a:p>
@@ -1951,7 +1956,7 @@
           <a:p>
             <a:fld id="{E3C897DF-D712-408C-8A47-8DC0A7771452}" type="datetimeFigureOut">
               <a:rPr lang="en-US" smtClean="0"/>
-              <a:t>8/5/2025</a:t>
+              <a:t>8/6/2025</a:t>
             </a:fld>
             <a:endParaRPr lang="en-US"/>
           </a:p>
@@ -2064,7 +2069,7 @@
           <a:p>
             <a:fld id="{E3C897DF-D712-408C-8A47-8DC0A7771452}" type="datetimeFigureOut">
               <a:rPr lang="en-US" smtClean="0"/>
-              <a:t>8/5/2025</a:t>
+              <a:t>8/6/2025</a:t>
             </a:fld>
             <a:endParaRPr lang="en-US"/>
           </a:p>
@@ -2375,7 +2380,7 @@
           <a:p>
             <a:fld id="{E3C897DF-D712-408C-8A47-8DC0A7771452}" type="datetimeFigureOut">
               <a:rPr lang="en-US" smtClean="0"/>
-              <a:t>8/5/2025</a:t>
+              <a:t>8/6/2025</a:t>
             </a:fld>
             <a:endParaRPr lang="en-US"/>
           </a:p>
@@ -2663,7 +2668,7 @@
           <a:p>
             <a:fld id="{E3C897DF-D712-408C-8A47-8DC0A7771452}" type="datetimeFigureOut">
               <a:rPr lang="en-US" smtClean="0"/>
-              <a:t>8/5/2025</a:t>
+              <a:t>8/6/2025</a:t>
             </a:fld>
             <a:endParaRPr lang="en-US"/>
           </a:p>
@@ -2904,7 +2909,7 @@
           <a:p>
             <a:fld id="{E3C897DF-D712-408C-8A47-8DC0A7771452}" type="datetimeFigureOut">
               <a:rPr lang="en-US" smtClean="0"/>
-              <a:t>8/5/2025</a:t>
+              <a:t>8/6/2025</a:t>
             </a:fld>
             <a:endParaRPr lang="en-US"/>
           </a:p>
@@ -3493,7 +3498,7 @@
             </a:r>
             <a:r>
               <a:rPr lang="en-US" sz="1050" dirty="0"/>
-              <a:t>© Model</a:t>
+              <a:t>™ Model</a:t>
             </a:r>
           </a:p>
         </p:txBody>
@@ -3641,7 +3646,7 @@
         <p:spPr>
           <a:xfrm>
             <a:off x="4812632" y="75843"/>
-            <a:ext cx="1368162" cy="1061829"/>
+            <a:ext cx="1471290" cy="1223412"/>
           </a:xfrm>
           <a:prstGeom prst="rect">
             <a:avLst/>
@@ -3661,7 +3666,7 @@
           <a:p>
             <a:r>
               <a:rPr lang="en-US" sz="1050" dirty="0"/>
-              <a:t>Use model estimates for data generation of observable and unobservable data (like fund returns)</a:t>
+              <a:t>Use model estimates for  generation of observable data (like comparable asset returns) and unobservable data (like fund returns)</a:t>
             </a:r>
           </a:p>
         </p:txBody>
@@ -3680,7 +3685,7 @@
         </p:nvCxnSpPr>
         <p:spPr>
           <a:xfrm>
-            <a:off x="6180794" y="344903"/>
+            <a:off x="6283922" y="344903"/>
             <a:ext cx="371260" cy="0"/>
           </a:xfrm>
           <a:prstGeom prst="straightConnector1">
@@ -3719,8 +3724,8 @@
         </p:nvSpPr>
         <p:spPr>
           <a:xfrm>
-            <a:off x="6552054" y="75842"/>
-            <a:ext cx="1368162" cy="738664"/>
+            <a:off x="6676377" y="70843"/>
+            <a:ext cx="1368162" cy="900246"/>
           </a:xfrm>
           <a:prstGeom prst="rect">
             <a:avLst/>
@@ -3740,7 +3745,7 @@
           <a:p>
             <a:r>
               <a:rPr lang="en-US" sz="1050" dirty="0"/>
-              <a:t>Take generated observable data and feed it to the Thea </a:t>
+              <a:t>Take generated observable data and feed it (only) to the Thea </a:t>
             </a:r>
             <a:r>
               <a:rPr lang="en-US" sz="1050" dirty="0" err="1"/>
@@ -3748,7 +3753,7 @@
             </a:r>
             <a:r>
               <a:rPr lang="en-US" sz="1050" dirty="0"/>
-              <a:t>© Model</a:t>
+              <a:t>™ Model</a:t>
             </a:r>
           </a:p>
         </p:txBody>
@@ -3767,7 +3772,7 @@
         </p:nvCxnSpPr>
         <p:spPr>
           <a:xfrm>
-            <a:off x="7920216" y="366673"/>
+            <a:off x="8044539" y="352922"/>
             <a:ext cx="371260" cy="0"/>
           </a:xfrm>
           <a:prstGeom prst="straightConnector1">
@@ -3806,7 +3811,7 @@
         </p:nvSpPr>
         <p:spPr>
           <a:xfrm>
-            <a:off x="8291476" y="217945"/>
+            <a:off x="8415799" y="237426"/>
             <a:ext cx="1368162" cy="253916"/>
           </a:xfrm>
           <a:prstGeom prst="rect">
@@ -3850,12 +3855,12 @@
         </p:nvCxnSpPr>
         <p:spPr>
           <a:xfrm flipH="1">
-            <a:off x="8642111" y="344903"/>
-            <a:ext cx="1017527" cy="2933068"/>
+            <a:off x="8642111" y="364384"/>
+            <a:ext cx="1141850" cy="2913587"/>
           </a:xfrm>
           <a:prstGeom prst="bentConnector3">
             <a:avLst>
-              <a:gd name="adj1" fmla="val -229899"/>
+              <a:gd name="adj1" fmla="val -20020"/>
             </a:avLst>
           </a:prstGeom>
           <a:ln>
@@ -3891,7 +3896,7 @@
         </p:nvSpPr>
         <p:spPr>
           <a:xfrm rot="5400000">
-            <a:off x="7041702" y="-1241756"/>
+            <a:off x="7041702" y="-1138548"/>
             <a:ext cx="546997" cy="5197642"/>
           </a:xfrm>
           <a:prstGeom prst="rightBrace">
@@ -3939,7 +3944,7 @@
         <p:spPr>
           <a:xfrm>
             <a:off x="5740782" y="1695918"/>
-            <a:ext cx="3547598" cy="738664"/>
+            <a:ext cx="3355091" cy="900246"/>
           </a:xfrm>
           <a:prstGeom prst="rect">
             <a:avLst/>
@@ -3959,11 +3964,11 @@
           <a:p>
             <a:r>
               <a:rPr lang="en-US" sz="1050" dirty="0"/>
-              <a:t>This setting mimics the real world data setting, </a:t>
+              <a:t>This setting mimics the real world data setting. </a:t>
             </a:r>
             <a:r>
               <a:rPr lang="en-US" sz="1050" b="1" i="1" dirty="0"/>
-              <a:t>however</a:t>
+              <a:t>However</a:t>
             </a:r>
             <a:r>
               <a:rPr lang="en-US" sz="1050" i="1" dirty="0"/>
@@ -3971,7 +3976,7 @@
             </a:r>
             <a:r>
               <a:rPr lang="en-US" sz="1050" dirty="0"/>
-              <a:t>it has the added benefit of knowing the true generating parameters and fund returns and values that are true, but latent and unobserved in the real world setting</a:t>
+              <a:t>it has the added benefit of knowing the generating parameters, fund returns, and values that are true. In the real world these exist but are latent and unobserved </a:t>
             </a:r>
           </a:p>
         </p:txBody>
@@ -3985,13 +3990,15 @@
               </a:ext>
             </a:extLst>
           </p:cNvPr>
-          <p:cNvCxnSpPr/>
+          <p:cNvCxnSpPr>
+            <a:cxnSpLocks/>
+          </p:cNvCxnSpPr>
           <p:nvPr/>
         </p:nvCxnSpPr>
         <p:spPr>
           <a:xfrm>
-            <a:off x="7315200" y="2434582"/>
-            <a:ext cx="0" cy="590501"/>
+            <a:off x="7315200" y="2596164"/>
+            <a:ext cx="0" cy="428919"/>
           </a:xfrm>
           <a:prstGeom prst="straightConnector1">
             <a:avLst/>
@@ -4050,7 +4057,7 @@
           <a:p>
             <a:r>
               <a:rPr lang="en-US" sz="1050" dirty="0"/>
-              <a:t>Compare the model’s new estimates based on the observable generated data</a:t>
+              <a:t>Compare the model’s estimates to the true fund values, returns, and params</a:t>
             </a:r>
           </a:p>
         </p:txBody>
@@ -4137,7 +4144,7 @@
           <a:p>
             <a:r>
               <a:rPr lang="en-US" sz="1050" dirty="0"/>
-              <a:t>If the model estimates the correct values and true returns / values of the fund in the artificial (mimicking scenario) then we can be reasonably inclined to believe it works in the real world setting where fund returns and values are latent </a:t>
+              <a:t>If the model correctly estimates the true returns / values of the fund in the simulated (mimicking) scenario, then we can be reasonably inclined to believe it works in the real world setting where fund returns and values are latent </a:t>
             </a:r>
           </a:p>
         </p:txBody>
@@ -4158,11 +4165,13 @@
         </p:nvCxnSpPr>
         <p:spPr>
           <a:xfrm rot="5400000">
-            <a:off x="6468416" y="3941359"/>
-            <a:ext cx="1316004" cy="377563"/>
+            <a:off x="6399533" y="4023828"/>
+            <a:ext cx="1436729" cy="360517"/>
           </a:xfrm>
-          <a:prstGeom prst="bentConnector2">
-            <a:avLst/>
+          <a:prstGeom prst="bentConnector3">
+            <a:avLst>
+              <a:gd name="adj1" fmla="val 100246"/>
+            </a:avLst>
           </a:prstGeom>
           <a:ln>
             <a:tailEnd type="triangle"/>
